--- a/RA-L Hetro Sensors/pictures/shot_gather_compare.pptx
+++ b/RA-L Hetro Sensors/pictures/shot_gather_compare.pptx
@@ -106,7 +106,7 @@
   </p:defaultTextStyle>
   <p:extLst>
     <p:ext uri="{EFAFB233-063F-42B5-8137-9DF3F51BA10A}">
-      <p15:sldGuideLst xmlns:p15="http://schemas.microsoft.com/office/powerpoint/2012/main"/>
+      <p15:sldGuideLst xmlns:p15="http://schemas.microsoft.com/office/powerpoint/2012/main" xmlns=""/>
     </p:ext>
   </p:extLst>
 </p:presentation>
@@ -243,7 +243,7 @@
           <a:p>
             <a:fld id="{575672ED-15D8-4832-9371-7BFF7FFD4540}" type="datetimeFigureOut">
               <a:rPr lang="en-US" smtClean="0"/>
-              <a:t>3/8/2016</a:t>
+              <a:t>9/10/16</a:t>
             </a:fld>
             <a:endParaRPr lang="en-US"/>
           </a:p>
@@ -413,7 +413,7 @@
           <a:p>
             <a:fld id="{575672ED-15D8-4832-9371-7BFF7FFD4540}" type="datetimeFigureOut">
               <a:rPr lang="en-US" smtClean="0"/>
-              <a:t>3/8/2016</a:t>
+              <a:t>9/10/16</a:t>
             </a:fld>
             <a:endParaRPr lang="en-US"/>
           </a:p>
@@ -593,7 +593,7 @@
           <a:p>
             <a:fld id="{575672ED-15D8-4832-9371-7BFF7FFD4540}" type="datetimeFigureOut">
               <a:rPr lang="en-US" smtClean="0"/>
-              <a:t>3/8/2016</a:t>
+              <a:t>9/10/16</a:t>
             </a:fld>
             <a:endParaRPr lang="en-US"/>
           </a:p>
@@ -763,7 +763,7 @@
           <a:p>
             <a:fld id="{575672ED-15D8-4832-9371-7BFF7FFD4540}" type="datetimeFigureOut">
               <a:rPr lang="en-US" smtClean="0"/>
-              <a:t>3/8/2016</a:t>
+              <a:t>9/10/16</a:t>
             </a:fld>
             <a:endParaRPr lang="en-US"/>
           </a:p>
@@ -1007,7 +1007,7 @@
           <a:p>
             <a:fld id="{575672ED-15D8-4832-9371-7BFF7FFD4540}" type="datetimeFigureOut">
               <a:rPr lang="en-US" smtClean="0"/>
-              <a:t>3/8/2016</a:t>
+              <a:t>9/10/16</a:t>
             </a:fld>
             <a:endParaRPr lang="en-US"/>
           </a:p>
@@ -1239,7 +1239,7 @@
           <a:p>
             <a:fld id="{575672ED-15D8-4832-9371-7BFF7FFD4540}" type="datetimeFigureOut">
               <a:rPr lang="en-US" smtClean="0"/>
-              <a:t>3/8/2016</a:t>
+              <a:t>9/10/16</a:t>
             </a:fld>
             <a:endParaRPr lang="en-US"/>
           </a:p>
@@ -1606,7 +1606,7 @@
           <a:p>
             <a:fld id="{575672ED-15D8-4832-9371-7BFF7FFD4540}" type="datetimeFigureOut">
               <a:rPr lang="en-US" smtClean="0"/>
-              <a:t>3/8/2016</a:t>
+              <a:t>9/10/16</a:t>
             </a:fld>
             <a:endParaRPr lang="en-US"/>
           </a:p>
@@ -1724,7 +1724,7 @@
           <a:p>
             <a:fld id="{575672ED-15D8-4832-9371-7BFF7FFD4540}" type="datetimeFigureOut">
               <a:rPr lang="en-US" smtClean="0"/>
-              <a:t>3/8/2016</a:t>
+              <a:t>9/10/16</a:t>
             </a:fld>
             <a:endParaRPr lang="en-US"/>
           </a:p>
@@ -1819,7 +1819,7 @@
           <a:p>
             <a:fld id="{575672ED-15D8-4832-9371-7BFF7FFD4540}" type="datetimeFigureOut">
               <a:rPr lang="en-US" smtClean="0"/>
-              <a:t>3/8/2016</a:t>
+              <a:t>9/10/16</a:t>
             </a:fld>
             <a:endParaRPr lang="en-US"/>
           </a:p>
@@ -2096,7 +2096,7 @@
           <a:p>
             <a:fld id="{575672ED-15D8-4832-9371-7BFF7FFD4540}" type="datetimeFigureOut">
               <a:rPr lang="en-US" smtClean="0"/>
-              <a:t>3/8/2016</a:t>
+              <a:t>9/10/16</a:t>
             </a:fld>
             <a:endParaRPr lang="en-US"/>
           </a:p>
@@ -2353,7 +2353,7 @@
           <a:p>
             <a:fld id="{575672ED-15D8-4832-9371-7BFF7FFD4540}" type="datetimeFigureOut">
               <a:rPr lang="en-US" smtClean="0"/>
-              <a:t>3/8/2016</a:t>
+              <a:t>9/10/16</a:t>
             </a:fld>
             <a:endParaRPr lang="en-US"/>
           </a:p>
@@ -2566,7 +2566,7 @@
           <a:p>
             <a:fld id="{575672ED-15D8-4832-9371-7BFF7FFD4540}" type="datetimeFigureOut">
               <a:rPr lang="en-US" smtClean="0"/>
-              <a:t>3/8/2016</a:t>
+              <a:t>9/10/16</a:t>
             </a:fld>
             <a:endParaRPr lang="en-US"/>
           </a:p>
@@ -3136,8 +3136,16 @@
               <a:lstStyle/>
               <a:p>
                 <a:r>
+                  <a:rPr lang="en-US" sz="3200" smtClean="0"/>
+                  <a:t>UAV</a:t>
+                </a:r>
+                <a:r>
+                  <a:rPr lang="en-US" sz="3200" smtClean="0"/>
+                  <a:t> </a:t>
+                </a:r>
+                <a:r>
                   <a:rPr lang="en-US" sz="3200" dirty="0"/>
-                  <a:t>Drone System</a:t>
+                  <a:t>System</a:t>
                 </a:r>
               </a:p>
             </p:txBody>
@@ -3229,7 +3237,7 @@
     </a:clrScheme>
     <a:fontScheme name="Office Theme">
       <a:majorFont>
-        <a:latin typeface="Calibri Light" panose="020F0302020204030204"/>
+        <a:latin typeface="Calibri Light"/>
         <a:ea typeface=""/>
         <a:cs typeface=""/>
         <a:font script="Jpan" typeface="ＭＳ Ｐゴシック"/>
@@ -3264,7 +3272,7 @@
         <a:font script="Geor" typeface="Sylfaen"/>
       </a:majorFont>
       <a:minorFont>
-        <a:latin typeface="Calibri" panose="020F0502020204030204"/>
+        <a:latin typeface="Calibri"/>
         <a:ea typeface=""/>
         <a:cs typeface=""/>
         <a:font script="Jpan" typeface="ＭＳ Ｐゴシック"/>
@@ -3441,7 +3449,7 @@
   <a:extraClrSchemeLst/>
   <a:extLst>
     <a:ext uri="{05A4C25C-085E-4340-85A3-A5531E510DB2}">
-      <thm15:themeFamily xmlns:thm15="http://schemas.microsoft.com/office/thememl/2012/main" name="Office Theme" id="{62F939B6-93AF-4DB8-9C6B-D6C7DFDC589F}" vid="{4A3C46E8-61CC-4603-A589-7422A47A8E4A}"/>
+      <thm15:themeFamily xmlns:thm15="http://schemas.microsoft.com/office/thememl/2012/main" xmlns="" name="Office Theme" id="{62F939B6-93AF-4DB8-9C6B-D6C7DFDC589F}" vid="{4A3C46E8-61CC-4603-A589-7422A47A8E4A}"/>
     </a:ext>
   </a:extLst>
 </a:theme>
